--- a/Modelo de Classificação de Crédito.pptx
+++ b/Modelo de Classificação de Crédito.pptx
@@ -11,6 +11,7 @@
     <p:sldId id="259" r:id="rId5"/>
     <p:sldId id="260" r:id="rId6"/>
     <p:sldId id="261" r:id="rId7"/>
+    <p:sldId id="262" r:id="rId8"/>
   </p:sldIdLst>
   <p:sldSz cx="12192000" cy="6858000"/>
   <p:notesSz cx="6858000" cy="9144000"/>
@@ -109,6 +110,11 @@
       </a:defRPr>
     </a:lvl9pPr>
   </p:defaultTextStyle>
+  <p:extLst>
+    <p:ext uri="{EFAFB233-063F-42B5-8137-9DF3F51BA10A}">
+      <p15:sldGuideLst xmlns:p15="http://schemas.microsoft.com/office/powerpoint/2012/main"/>
+    </p:ext>
+  </p:extLst>
 </p:presentation>
 </file>
 
@@ -12481,13 +12487,13 @@
           <a:p>
             <a:r>
               <a:rPr lang="pt-BR" dirty="0"/>
-              <a:t>2029 avaliações de rating por múltiplas agências de Rating privadas, durante o período entre </a:t>
+              <a:t>2029 avaliações de rating de empresas americanas (negociadas no NYSE ou NASDAQ) por múltiplas agências de Rating privadas, durante o período entre 2010 e 2016;</a:t>
             </a:r>
           </a:p>
           <a:p>
             <a:r>
               <a:rPr lang="pt-BR" dirty="0"/>
-              <a:t>26 features sobre indicadores financeiros de balanço, mercado e setor;</a:t>
+              <a:t>30 features, sendo 25 indicadores financeiros.</a:t>
             </a:r>
           </a:p>
         </p:txBody>
@@ -12602,48 +12608,60 @@
           </a:bodyPr>
           <a:lstStyle/>
           <a:p>
+            <a:pPr marL="0" indent="0" algn="just">
+              <a:buNone/>
+            </a:pPr>
             <a:r>
               <a:rPr lang="pt-BR" dirty="0"/>
               <a:t>A amostra não considera uma presença significante de valores extremos: AAA (menor risco de crédito), CC e C (alto risco de crédito) e D (em default) </a:t>
             </a:r>
           </a:p>
           <a:p>
+            <a:pPr marL="0" indent="0" algn="just">
+              <a:buNone/>
+            </a:pPr>
             <a:r>
               <a:rPr lang="pt-BR" dirty="0"/>
               <a:t>Os dados então foram agrupados da seguinte forma:</a:t>
             </a:r>
           </a:p>
           <a:p>
+            <a:pPr algn="just"/>
             <a:r>
               <a:rPr lang="pt-BR" dirty="0"/>
               <a:t>AAA: Risco muito baixo</a:t>
             </a:r>
           </a:p>
           <a:p>
+            <a:pPr algn="just"/>
             <a:r>
               <a:rPr lang="pt-BR" dirty="0"/>
               <a:t>AA e A: Risco Baixo</a:t>
             </a:r>
           </a:p>
           <a:p>
+            <a:pPr algn="just"/>
             <a:r>
               <a:rPr lang="pt-BR" dirty="0"/>
               <a:t>BBB: Risco Médio</a:t>
             </a:r>
           </a:p>
           <a:p>
+            <a:pPr algn="just"/>
             <a:r>
               <a:rPr lang="pt-BR" dirty="0"/>
               <a:t>BB e B: Alto Risco</a:t>
             </a:r>
           </a:p>
           <a:p>
+            <a:pPr algn="just"/>
             <a:r>
               <a:rPr lang="pt-BR" dirty="0"/>
               <a:t>CCC, CC e C: Risco Muito Alto</a:t>
             </a:r>
           </a:p>
           <a:p>
+            <a:pPr algn="just"/>
             <a:r>
               <a:rPr lang="pt-BR" dirty="0"/>
               <a:t>D: em Default – já inadimplente</a:t>
@@ -12738,15 +12756,15 @@
           <a:p>
             <a:r>
               <a:rPr lang="pt-BR" dirty="0"/>
-              <a:t>Os outliers foram considerados através do intervalo de interquartil (x1,5). Na média </a:t>
+              <a:t>Os outliers foram considerados através do intervalo de interquartil (x1,5). Na </a:t>
             </a:r>
             <a:r>
-              <a:rPr lang="pt-BR" dirty="0" err="1"/>
-              <a:t>cacda</a:t>
+              <a:rPr lang="pt-BR"/>
+              <a:t>média cada </a:t>
             </a:r>
             <a:r>
               <a:rPr lang="pt-BR" dirty="0"/>
-              <a:t> variável conta com 20% de outliers.</a:t>
+              <a:t>variável conta com 20% de outliers.</a:t>
             </a:r>
           </a:p>
           <a:p>
@@ -13042,6 +13060,70 @@
     <p:extLst>
       <p:ext uri="{BB962C8B-B14F-4D97-AF65-F5344CB8AC3E}">
         <p14:creationId xmlns:p14="http://schemas.microsoft.com/office/powerpoint/2010/main" val="3221849143"/>
+      </p:ext>
+    </p:extLst>
+  </p:cSld>
+  <p:clrMapOvr>
+    <a:masterClrMapping/>
+  </p:clrMapOvr>
+</p:sld>
+</file>
+
+<file path=ppt/slides/slide7.xml><?xml version="1.0" encoding="utf-8"?>
+<p:sld xmlns:a="http://schemas.openxmlformats.org/drawingml/2006/main" xmlns:r="http://schemas.openxmlformats.org/officeDocument/2006/relationships" xmlns:p="http://schemas.openxmlformats.org/presentationml/2006/main">
+  <p:cSld>
+    <p:spTree>
+      <p:nvGrpSpPr>
+        <p:cNvPr id="1" name=""/>
+        <p:cNvGrpSpPr/>
+        <p:nvPr/>
+      </p:nvGrpSpPr>
+      <p:grpSpPr>
+        <a:xfrm>
+          <a:off x="0" y="0"/>
+          <a:ext cx="0" cy="0"/>
+          <a:chOff x="0" y="0"/>
+          <a:chExt cx="0" cy="0"/>
+        </a:xfrm>
+      </p:grpSpPr>
+      <p:sp>
+        <p:nvSpPr>
+          <p:cNvPr id="5" name="Título 4">
+            <a:extLst>
+              <a:ext uri="{FF2B5EF4-FFF2-40B4-BE49-F238E27FC236}">
+                <a16:creationId xmlns:a16="http://schemas.microsoft.com/office/drawing/2014/main" id="{7B1D9C70-B08D-F174-4771-E674C5E2E9C4}"/>
+              </a:ext>
+            </a:extLst>
+          </p:cNvPr>
+          <p:cNvSpPr>
+            <a:spLocks noGrp="1"/>
+          </p:cNvSpPr>
+          <p:nvPr>
+            <p:ph type="title"/>
+          </p:nvPr>
+        </p:nvSpPr>
+        <p:spPr>
+          <a:xfrm>
+            <a:off x="1141413" y="2060819"/>
+            <a:ext cx="9905998" cy="1478570"/>
+          </a:xfrm>
+        </p:spPr>
+        <p:txBody>
+          <a:bodyPr/>
+          <a:lstStyle/>
+          <a:p>
+            <a:pPr algn="ctr"/>
+            <a:r>
+              <a:rPr lang="pt-BR" dirty="0"/>
+              <a:t>https://criskpredict.streamlit.app/</a:t>
+            </a:r>
+          </a:p>
+        </p:txBody>
+      </p:sp>
+    </p:spTree>
+    <p:extLst>
+      <p:ext uri="{BB962C8B-B14F-4D97-AF65-F5344CB8AC3E}">
+        <p14:creationId xmlns:p14="http://schemas.microsoft.com/office/powerpoint/2010/main" val="3703587243"/>
       </p:ext>
     </p:extLst>
   </p:cSld>
